--- a/other_files/data_forpublication/Problem/problem_idea_001.pptx
+++ b/other_files/data_forpublication/Problem/problem_idea_001.pptx
@@ -8,6 +8,7 @@
     <p:sldId id="256" r:id="rId2"/>
     <p:sldId id="258" r:id="rId3"/>
     <p:sldId id="259" r:id="rId4"/>
+    <p:sldId id="260" r:id="rId5"/>
   </p:sldIdLst>
   <p:sldSz cx="6858000" cy="9906000" type="A4"/>
   <p:notesSz cx="6858000" cy="9144000"/>
@@ -245,7 +246,7 @@
           <a:p>
             <a:fld id="{EC44EA61-497E-4870-97A2-277C20D5F386}" type="datetimeFigureOut">
               <a:rPr lang="en-NZ" smtClean="0"/>
-              <a:t>14/11/2023</a:t>
+              <a:t>20/05/2024</a:t>
             </a:fld>
             <a:endParaRPr lang="en-NZ"/>
           </a:p>
@@ -415,7 +416,7 @@
           <a:p>
             <a:fld id="{EC44EA61-497E-4870-97A2-277C20D5F386}" type="datetimeFigureOut">
               <a:rPr lang="en-NZ" smtClean="0"/>
-              <a:t>14/11/2023</a:t>
+              <a:t>20/05/2024</a:t>
             </a:fld>
             <a:endParaRPr lang="en-NZ"/>
           </a:p>
@@ -595,7 +596,7 @@
           <a:p>
             <a:fld id="{EC44EA61-497E-4870-97A2-277C20D5F386}" type="datetimeFigureOut">
               <a:rPr lang="en-NZ" smtClean="0"/>
-              <a:t>14/11/2023</a:t>
+              <a:t>20/05/2024</a:t>
             </a:fld>
             <a:endParaRPr lang="en-NZ"/>
           </a:p>
@@ -765,7 +766,7 @@
           <a:p>
             <a:fld id="{EC44EA61-497E-4870-97A2-277C20D5F386}" type="datetimeFigureOut">
               <a:rPr lang="en-NZ" smtClean="0"/>
-              <a:t>14/11/2023</a:t>
+              <a:t>20/05/2024</a:t>
             </a:fld>
             <a:endParaRPr lang="en-NZ"/>
           </a:p>
@@ -1009,7 +1010,7 @@
           <a:p>
             <a:fld id="{EC44EA61-497E-4870-97A2-277C20D5F386}" type="datetimeFigureOut">
               <a:rPr lang="en-NZ" smtClean="0"/>
-              <a:t>14/11/2023</a:t>
+              <a:t>20/05/2024</a:t>
             </a:fld>
             <a:endParaRPr lang="en-NZ"/>
           </a:p>
@@ -1241,7 +1242,7 @@
           <a:p>
             <a:fld id="{EC44EA61-497E-4870-97A2-277C20D5F386}" type="datetimeFigureOut">
               <a:rPr lang="en-NZ" smtClean="0"/>
-              <a:t>14/11/2023</a:t>
+              <a:t>20/05/2024</a:t>
             </a:fld>
             <a:endParaRPr lang="en-NZ"/>
           </a:p>
@@ -1608,7 +1609,7 @@
           <a:p>
             <a:fld id="{EC44EA61-497E-4870-97A2-277C20D5F386}" type="datetimeFigureOut">
               <a:rPr lang="en-NZ" smtClean="0"/>
-              <a:t>14/11/2023</a:t>
+              <a:t>20/05/2024</a:t>
             </a:fld>
             <a:endParaRPr lang="en-NZ"/>
           </a:p>
@@ -1726,7 +1727,7 @@
           <a:p>
             <a:fld id="{EC44EA61-497E-4870-97A2-277C20D5F386}" type="datetimeFigureOut">
               <a:rPr lang="en-NZ" smtClean="0"/>
-              <a:t>14/11/2023</a:t>
+              <a:t>20/05/2024</a:t>
             </a:fld>
             <a:endParaRPr lang="en-NZ"/>
           </a:p>
@@ -1821,7 +1822,7 @@
           <a:p>
             <a:fld id="{EC44EA61-497E-4870-97A2-277C20D5F386}" type="datetimeFigureOut">
               <a:rPr lang="en-NZ" smtClean="0"/>
-              <a:t>14/11/2023</a:t>
+              <a:t>20/05/2024</a:t>
             </a:fld>
             <a:endParaRPr lang="en-NZ"/>
           </a:p>
@@ -2098,7 +2099,7 @@
           <a:p>
             <a:fld id="{EC44EA61-497E-4870-97A2-277C20D5F386}" type="datetimeFigureOut">
               <a:rPr lang="en-NZ" smtClean="0"/>
-              <a:t>14/11/2023</a:t>
+              <a:t>20/05/2024</a:t>
             </a:fld>
             <a:endParaRPr lang="en-NZ"/>
           </a:p>
@@ -2355,7 +2356,7 @@
           <a:p>
             <a:fld id="{EC44EA61-497E-4870-97A2-277C20D5F386}" type="datetimeFigureOut">
               <a:rPr lang="en-NZ" smtClean="0"/>
-              <a:t>14/11/2023</a:t>
+              <a:t>20/05/2024</a:t>
             </a:fld>
             <a:endParaRPr lang="en-NZ"/>
           </a:p>
@@ -2568,7 +2569,7 @@
           <a:p>
             <a:fld id="{EC44EA61-497E-4870-97A2-277C20D5F386}" type="datetimeFigureOut">
               <a:rPr lang="en-NZ" smtClean="0"/>
-              <a:t>14/11/2023</a:t>
+              <a:t>20/05/2024</a:t>
             </a:fld>
             <a:endParaRPr lang="en-NZ"/>
           </a:p>
@@ -6850,6 +6851,1296 @@
 </p:sld>
 </file>
 
+<file path=ppt/slides/slide4.xml><?xml version="1.0" encoding="utf-8"?>
+<p:sld xmlns:a="http://schemas.openxmlformats.org/drawingml/2006/main" xmlns:r="http://schemas.openxmlformats.org/officeDocument/2006/relationships" xmlns:p="http://schemas.openxmlformats.org/presentationml/2006/main">
+  <p:cSld>
+    <p:spTree>
+      <p:nvGrpSpPr>
+        <p:cNvPr id="1" name=""/>
+        <p:cNvGrpSpPr/>
+        <p:nvPr/>
+      </p:nvGrpSpPr>
+      <p:grpSpPr>
+        <a:xfrm>
+          <a:off x="0" y="0"/>
+          <a:ext cx="0" cy="0"/>
+          <a:chOff x="0" y="0"/>
+          <a:chExt cx="0" cy="0"/>
+        </a:xfrm>
+      </p:grpSpPr>
+      <p:pic>
+        <p:nvPicPr>
+          <p:cNvPr id="5" name="Picture 4">
+            <a:extLst>
+              <a:ext uri="{FF2B5EF4-FFF2-40B4-BE49-F238E27FC236}">
+                <a16:creationId xmlns:a16="http://schemas.microsoft.com/office/drawing/2014/main" id="{C849DC58-5606-4A3F-8B07-7E3CD238C933}"/>
+              </a:ext>
+            </a:extLst>
+          </p:cNvPr>
+          <p:cNvPicPr>
+            <a:picLocks noChangeAspect="1"/>
+          </p:cNvPicPr>
+          <p:nvPr/>
+        </p:nvPicPr>
+        <p:blipFill>
+          <a:blip r:embed="rId2">
+            <a:extLst>
+              <a:ext uri="{28A0092B-C50C-407E-A947-70E740481C1C}">
+                <a14:useLocalDpi xmlns:a14="http://schemas.microsoft.com/office/drawing/2010/main" val="0"/>
+              </a:ext>
+            </a:extLst>
+          </a:blip>
+          <a:stretch>
+            <a:fillRect/>
+          </a:stretch>
+        </p:blipFill>
+        <p:spPr>
+          <a:xfrm>
+            <a:off x="3523324" y="3478088"/>
+            <a:ext cx="3270508" cy="2609070"/>
+          </a:xfrm>
+          <a:prstGeom prst="rect">
+            <a:avLst/>
+          </a:prstGeom>
+        </p:spPr>
+      </p:pic>
+      <p:pic>
+        <p:nvPicPr>
+          <p:cNvPr id="7" name="Picture 6">
+            <a:extLst>
+              <a:ext uri="{FF2B5EF4-FFF2-40B4-BE49-F238E27FC236}">
+                <a16:creationId xmlns:a16="http://schemas.microsoft.com/office/drawing/2014/main" id="{5E054EC2-71B2-4567-BFD4-2AFDF7435F85}"/>
+              </a:ext>
+            </a:extLst>
+          </p:cNvPr>
+          <p:cNvPicPr>
+            <a:picLocks noChangeAspect="1"/>
+          </p:cNvPicPr>
+          <p:nvPr/>
+        </p:nvPicPr>
+        <p:blipFill>
+          <a:blip r:embed="rId3">
+            <a:extLst>
+              <a:ext uri="{28A0092B-C50C-407E-A947-70E740481C1C}">
+                <a14:useLocalDpi xmlns:a14="http://schemas.microsoft.com/office/drawing/2010/main" val="0"/>
+              </a:ext>
+            </a:extLst>
+          </a:blip>
+          <a:stretch>
+            <a:fillRect/>
+          </a:stretch>
+        </p:blipFill>
+        <p:spPr>
+          <a:xfrm>
+            <a:off x="64168" y="3478088"/>
+            <a:ext cx="3270509" cy="2609071"/>
+          </a:xfrm>
+          <a:prstGeom prst="rect">
+            <a:avLst/>
+          </a:prstGeom>
+        </p:spPr>
+      </p:pic>
+      <p:pic>
+        <p:nvPicPr>
+          <p:cNvPr id="12" name="Picture 11">
+            <a:extLst>
+              <a:ext uri="{FF2B5EF4-FFF2-40B4-BE49-F238E27FC236}">
+                <a16:creationId xmlns:a16="http://schemas.microsoft.com/office/drawing/2014/main" id="{3BBB3420-FA35-4521-98A6-CE21ADAF29D7}"/>
+              </a:ext>
+            </a:extLst>
+          </p:cNvPr>
+          <p:cNvPicPr>
+            <a:picLocks noChangeAspect="1"/>
+          </p:cNvPicPr>
+          <p:nvPr/>
+        </p:nvPicPr>
+        <p:blipFill>
+          <a:blip r:embed="rId4">
+            <a:extLst>
+              <a:ext uri="{28A0092B-C50C-407E-A947-70E740481C1C}">
+                <a14:useLocalDpi xmlns:a14="http://schemas.microsoft.com/office/drawing/2010/main" val="0"/>
+              </a:ext>
+            </a:extLst>
+          </a:blip>
+          <a:stretch>
+            <a:fillRect/>
+          </a:stretch>
+        </p:blipFill>
+        <p:spPr>
+          <a:xfrm>
+            <a:off x="2251894" y="119615"/>
+            <a:ext cx="2354212" cy="2340726"/>
+          </a:xfrm>
+          <a:prstGeom prst="rect">
+            <a:avLst/>
+          </a:prstGeom>
+        </p:spPr>
+      </p:pic>
+      <p:grpSp>
+        <p:nvGrpSpPr>
+          <p:cNvPr id="26" name="Group 25">
+            <a:extLst>
+              <a:ext uri="{FF2B5EF4-FFF2-40B4-BE49-F238E27FC236}">
+                <a16:creationId xmlns:a16="http://schemas.microsoft.com/office/drawing/2014/main" id="{C4C013FB-86A7-4BAC-9E3F-523350B81211}"/>
+              </a:ext>
+            </a:extLst>
+          </p:cNvPr>
+          <p:cNvGrpSpPr/>
+          <p:nvPr/>
+        </p:nvGrpSpPr>
+        <p:grpSpPr>
+          <a:xfrm>
+            <a:off x="4775200" y="1291771"/>
+            <a:ext cx="740229" cy="2061029"/>
+            <a:chOff x="4775200" y="1291771"/>
+            <a:chExt cx="740229" cy="2061029"/>
+          </a:xfrm>
+        </p:grpSpPr>
+        <p:cxnSp>
+          <p:nvCxnSpPr>
+            <p:cNvPr id="23" name="Straight Connector 22">
+              <a:extLst>
+                <a:ext uri="{FF2B5EF4-FFF2-40B4-BE49-F238E27FC236}">
+                  <a16:creationId xmlns:a16="http://schemas.microsoft.com/office/drawing/2014/main" id="{C389ACA7-A6BA-498D-978C-9C7EBB64960D}"/>
+                </a:ext>
+              </a:extLst>
+            </p:cNvPr>
+            <p:cNvCxnSpPr/>
+            <p:nvPr/>
+          </p:nvCxnSpPr>
+          <p:spPr>
+            <a:xfrm>
+              <a:off x="4775200" y="1291771"/>
+              <a:ext cx="740229" cy="0"/>
+            </a:xfrm>
+            <a:prstGeom prst="line">
+              <a:avLst/>
+            </a:prstGeom>
+            <a:ln w="12700">
+              <a:solidFill>
+                <a:schemeClr val="tx1"/>
+              </a:solidFill>
+            </a:ln>
+          </p:spPr>
+          <p:style>
+            <a:lnRef idx="1">
+              <a:schemeClr val="accent1"/>
+            </a:lnRef>
+            <a:fillRef idx="0">
+              <a:schemeClr val="accent1"/>
+            </a:fillRef>
+            <a:effectRef idx="0">
+              <a:schemeClr val="accent1"/>
+            </a:effectRef>
+            <a:fontRef idx="minor">
+              <a:schemeClr val="tx1"/>
+            </a:fontRef>
+          </p:style>
+        </p:cxnSp>
+        <p:cxnSp>
+          <p:nvCxnSpPr>
+            <p:cNvPr id="25" name="Straight Arrow Connector 24">
+              <a:extLst>
+                <a:ext uri="{FF2B5EF4-FFF2-40B4-BE49-F238E27FC236}">
+                  <a16:creationId xmlns:a16="http://schemas.microsoft.com/office/drawing/2014/main" id="{FE422632-891E-4746-9952-18AA9ADD071D}"/>
+                </a:ext>
+              </a:extLst>
+            </p:cNvPr>
+            <p:cNvCxnSpPr/>
+            <p:nvPr/>
+          </p:nvCxnSpPr>
+          <p:spPr>
+            <a:xfrm>
+              <a:off x="5515429" y="1291771"/>
+              <a:ext cx="0" cy="2061029"/>
+            </a:xfrm>
+            <a:prstGeom prst="straightConnector1">
+              <a:avLst/>
+            </a:prstGeom>
+            <a:ln w="12700">
+              <a:solidFill>
+                <a:schemeClr val="tx1"/>
+              </a:solidFill>
+              <a:tailEnd type="triangle"/>
+            </a:ln>
+          </p:spPr>
+          <p:style>
+            <a:lnRef idx="1">
+              <a:schemeClr val="accent1"/>
+            </a:lnRef>
+            <a:fillRef idx="0">
+              <a:schemeClr val="accent1"/>
+            </a:fillRef>
+            <a:effectRef idx="0">
+              <a:schemeClr val="accent1"/>
+            </a:effectRef>
+            <a:fontRef idx="minor">
+              <a:schemeClr val="tx1"/>
+            </a:fontRef>
+          </p:style>
+        </p:cxnSp>
+      </p:grpSp>
+      <p:grpSp>
+        <p:nvGrpSpPr>
+          <p:cNvPr id="27" name="Group 26">
+            <a:extLst>
+              <a:ext uri="{FF2B5EF4-FFF2-40B4-BE49-F238E27FC236}">
+                <a16:creationId xmlns:a16="http://schemas.microsoft.com/office/drawing/2014/main" id="{61084000-D2B8-4BEB-942F-8AC444F60814}"/>
+              </a:ext>
+            </a:extLst>
+          </p:cNvPr>
+          <p:cNvGrpSpPr/>
+          <p:nvPr/>
+        </p:nvGrpSpPr>
+        <p:grpSpPr>
+          <a:xfrm flipH="1">
+            <a:off x="1329308" y="1289978"/>
+            <a:ext cx="740228" cy="2061029"/>
+            <a:chOff x="4775200" y="1291771"/>
+            <a:chExt cx="740229" cy="2061029"/>
+          </a:xfrm>
+        </p:grpSpPr>
+        <p:cxnSp>
+          <p:nvCxnSpPr>
+            <p:cNvPr id="28" name="Straight Connector 27">
+              <a:extLst>
+                <a:ext uri="{FF2B5EF4-FFF2-40B4-BE49-F238E27FC236}">
+                  <a16:creationId xmlns:a16="http://schemas.microsoft.com/office/drawing/2014/main" id="{921CB0E9-FA4B-4D1F-8DE9-F2933501AE1E}"/>
+                </a:ext>
+              </a:extLst>
+            </p:cNvPr>
+            <p:cNvCxnSpPr/>
+            <p:nvPr/>
+          </p:nvCxnSpPr>
+          <p:spPr>
+            <a:xfrm>
+              <a:off x="4775200" y="1291771"/>
+              <a:ext cx="740229" cy="0"/>
+            </a:xfrm>
+            <a:prstGeom prst="line">
+              <a:avLst/>
+            </a:prstGeom>
+            <a:ln w="12700">
+              <a:solidFill>
+                <a:schemeClr val="tx1"/>
+              </a:solidFill>
+            </a:ln>
+          </p:spPr>
+          <p:style>
+            <a:lnRef idx="1">
+              <a:schemeClr val="accent1"/>
+            </a:lnRef>
+            <a:fillRef idx="0">
+              <a:schemeClr val="accent1"/>
+            </a:fillRef>
+            <a:effectRef idx="0">
+              <a:schemeClr val="accent1"/>
+            </a:effectRef>
+            <a:fontRef idx="minor">
+              <a:schemeClr val="tx1"/>
+            </a:fontRef>
+          </p:style>
+        </p:cxnSp>
+        <p:cxnSp>
+          <p:nvCxnSpPr>
+            <p:cNvPr id="29" name="Straight Arrow Connector 28">
+              <a:extLst>
+                <a:ext uri="{FF2B5EF4-FFF2-40B4-BE49-F238E27FC236}">
+                  <a16:creationId xmlns:a16="http://schemas.microsoft.com/office/drawing/2014/main" id="{EA727B60-2EF9-49E4-99F9-6C93C7F33DF3}"/>
+                </a:ext>
+              </a:extLst>
+            </p:cNvPr>
+            <p:cNvCxnSpPr/>
+            <p:nvPr/>
+          </p:nvCxnSpPr>
+          <p:spPr>
+            <a:xfrm>
+              <a:off x="5515429" y="1291771"/>
+              <a:ext cx="0" cy="2061029"/>
+            </a:xfrm>
+            <a:prstGeom prst="straightConnector1">
+              <a:avLst/>
+            </a:prstGeom>
+            <a:ln w="12700">
+              <a:solidFill>
+                <a:schemeClr val="tx1"/>
+              </a:solidFill>
+              <a:tailEnd type="triangle"/>
+            </a:ln>
+          </p:spPr>
+          <p:style>
+            <a:lnRef idx="1">
+              <a:schemeClr val="accent1"/>
+            </a:lnRef>
+            <a:fillRef idx="0">
+              <a:schemeClr val="accent1"/>
+            </a:fillRef>
+            <a:effectRef idx="0">
+              <a:schemeClr val="accent1"/>
+            </a:effectRef>
+            <a:fontRef idx="minor">
+              <a:schemeClr val="tx1"/>
+            </a:fontRef>
+          </p:style>
+        </p:cxnSp>
+      </p:grpSp>
+      <p:cxnSp>
+        <p:nvCxnSpPr>
+          <p:cNvPr id="31" name="Straight Arrow Connector 30">
+            <a:extLst>
+              <a:ext uri="{FF2B5EF4-FFF2-40B4-BE49-F238E27FC236}">
+                <a16:creationId xmlns:a16="http://schemas.microsoft.com/office/drawing/2014/main" id="{CC0C75AA-D38A-479C-812D-C740CEFDBBDE}"/>
+              </a:ext>
+            </a:extLst>
+          </p:cNvPr>
+          <p:cNvCxnSpPr>
+            <a:cxnSpLocks/>
+          </p:cNvCxnSpPr>
+          <p:nvPr/>
+        </p:nvCxnSpPr>
+        <p:spPr>
+          <a:xfrm>
+            <a:off x="1329308" y="6141459"/>
+            <a:ext cx="0" cy="709284"/>
+          </a:xfrm>
+          <a:prstGeom prst="straightConnector1">
+            <a:avLst/>
+          </a:prstGeom>
+          <a:ln w="12700">
+            <a:solidFill>
+              <a:schemeClr val="tx1"/>
+            </a:solidFill>
+            <a:tailEnd type="triangle"/>
+          </a:ln>
+        </p:spPr>
+        <p:style>
+          <a:lnRef idx="1">
+            <a:schemeClr val="accent1"/>
+          </a:lnRef>
+          <a:fillRef idx="0">
+            <a:schemeClr val="accent1"/>
+          </a:fillRef>
+          <a:effectRef idx="0">
+            <a:schemeClr val="accent1"/>
+          </a:effectRef>
+          <a:fontRef idx="minor">
+            <a:schemeClr val="tx1"/>
+          </a:fontRef>
+        </p:style>
+      </p:cxnSp>
+      <p:cxnSp>
+        <p:nvCxnSpPr>
+          <p:cNvPr id="33" name="Straight Arrow Connector 32">
+            <a:extLst>
+              <a:ext uri="{FF2B5EF4-FFF2-40B4-BE49-F238E27FC236}">
+                <a16:creationId xmlns:a16="http://schemas.microsoft.com/office/drawing/2014/main" id="{82462496-6885-4200-8B8E-E4BCA28E8738}"/>
+              </a:ext>
+            </a:extLst>
+          </p:cNvPr>
+          <p:cNvCxnSpPr>
+            <a:cxnSpLocks/>
+          </p:cNvCxnSpPr>
+          <p:nvPr/>
+        </p:nvCxnSpPr>
+        <p:spPr>
+          <a:xfrm>
+            <a:off x="5515429" y="6168695"/>
+            <a:ext cx="0" cy="709284"/>
+          </a:xfrm>
+          <a:prstGeom prst="straightConnector1">
+            <a:avLst/>
+          </a:prstGeom>
+          <a:ln w="12700">
+            <a:solidFill>
+              <a:schemeClr val="tx1"/>
+            </a:solidFill>
+            <a:tailEnd type="triangle"/>
+          </a:ln>
+        </p:spPr>
+        <p:style>
+          <a:lnRef idx="1">
+            <a:schemeClr val="accent1"/>
+          </a:lnRef>
+          <a:fillRef idx="0">
+            <a:schemeClr val="accent1"/>
+          </a:fillRef>
+          <a:effectRef idx="0">
+            <a:schemeClr val="accent1"/>
+          </a:effectRef>
+          <a:fontRef idx="minor">
+            <a:schemeClr val="tx1"/>
+          </a:fontRef>
+        </p:style>
+      </p:cxnSp>
+      <p:sp>
+        <p:nvSpPr>
+          <p:cNvPr id="34" name="TextBox 33">
+            <a:extLst>
+              <a:ext uri="{FF2B5EF4-FFF2-40B4-BE49-F238E27FC236}">
+                <a16:creationId xmlns:a16="http://schemas.microsoft.com/office/drawing/2014/main" id="{B181EE99-A013-4C47-8A5B-6BD93B0903A1}"/>
+              </a:ext>
+            </a:extLst>
+          </p:cNvPr>
+          <p:cNvSpPr txBox="1"/>
+          <p:nvPr/>
+        </p:nvSpPr>
+        <p:spPr>
+          <a:xfrm>
+            <a:off x="5528691" y="1289978"/>
+            <a:ext cx="553998" cy="1982427"/>
+          </a:xfrm>
+          <a:prstGeom prst="rect">
+            <a:avLst/>
+          </a:prstGeom>
+          <a:noFill/>
+        </p:spPr>
+        <p:txBody>
+          <a:bodyPr vert="vert" wrap="square" rtlCol="0" anchor="ctr" anchorCtr="0">
+            <a:spAutoFit/>
+          </a:bodyPr>
+          <a:lstStyle/>
+          <a:p>
+            <a:pPr algn="ctr"/>
+            <a:r>
+              <a:rPr lang="en-US" sz="1200" dirty="0"/>
+              <a:t>Sample &amp; interpolate on </a:t>
+            </a:r>
+          </a:p>
+          <a:p>
+            <a:pPr algn="ctr"/>
+            <a:r>
+              <a:rPr lang="en-US" sz="1200" dirty="0"/>
+              <a:t>a 45-degree rotated grid</a:t>
+            </a:r>
+            <a:endParaRPr lang="en-NZ" sz="1200" dirty="0"/>
+          </a:p>
+        </p:txBody>
+      </p:sp>
+      <p:sp>
+        <p:nvSpPr>
+          <p:cNvPr id="35" name="TextBox 34">
+            <a:extLst>
+              <a:ext uri="{FF2B5EF4-FFF2-40B4-BE49-F238E27FC236}">
+                <a16:creationId xmlns:a16="http://schemas.microsoft.com/office/drawing/2014/main" id="{610C3695-55FC-4598-AD42-A15E724646B6}"/>
+              </a:ext>
+            </a:extLst>
+          </p:cNvPr>
+          <p:cNvSpPr txBox="1"/>
+          <p:nvPr/>
+        </p:nvSpPr>
+        <p:spPr>
+          <a:xfrm>
+            <a:off x="778357" y="1329608"/>
+            <a:ext cx="553998" cy="1913763"/>
+          </a:xfrm>
+          <a:prstGeom prst="rect">
+            <a:avLst/>
+          </a:prstGeom>
+          <a:noFill/>
+        </p:spPr>
+        <p:txBody>
+          <a:bodyPr vert="vert270" wrap="square" rtlCol="0" anchor="ctr" anchorCtr="0">
+            <a:spAutoFit/>
+          </a:bodyPr>
+          <a:lstStyle/>
+          <a:p>
+            <a:pPr algn="ctr"/>
+            <a:r>
+              <a:rPr lang="en-US" sz="1200" dirty="0"/>
+              <a:t>Sample &amp; interpolate on </a:t>
+            </a:r>
+          </a:p>
+          <a:p>
+            <a:pPr algn="ctr"/>
+            <a:r>
+              <a:rPr lang="en-US" sz="1200" dirty="0"/>
+              <a:t>a </a:t>
+            </a:r>
+            <a:r>
+              <a:rPr lang="en-US" sz="1200"/>
+              <a:t>North-South square </a:t>
+            </a:r>
+            <a:r>
+              <a:rPr lang="en-US" sz="1200" dirty="0"/>
+              <a:t>grid</a:t>
+            </a:r>
+            <a:endParaRPr lang="en-NZ" sz="1200" dirty="0"/>
+          </a:p>
+        </p:txBody>
+      </p:sp>
+      <p:sp>
+        <p:nvSpPr>
+          <p:cNvPr id="36" name="TextBox 35">
+            <a:extLst>
+              <a:ext uri="{FF2B5EF4-FFF2-40B4-BE49-F238E27FC236}">
+                <a16:creationId xmlns:a16="http://schemas.microsoft.com/office/drawing/2014/main" id="{8CC1EF29-11C6-4B0C-A18D-BDE10C2F92E4}"/>
+              </a:ext>
+            </a:extLst>
+          </p:cNvPr>
+          <p:cNvSpPr txBox="1"/>
+          <p:nvPr/>
+        </p:nvSpPr>
+        <p:spPr>
+          <a:xfrm>
+            <a:off x="2520361" y="2460342"/>
+            <a:ext cx="1831751" cy="323165"/>
+          </a:xfrm>
+          <a:prstGeom prst="rect">
+            <a:avLst/>
+          </a:prstGeom>
+          <a:noFill/>
+        </p:spPr>
+        <p:txBody>
+          <a:bodyPr wrap="square" rtlCol="0">
+            <a:spAutoFit/>
+          </a:bodyPr>
+          <a:lstStyle/>
+          <a:p>
+            <a:pPr algn="ctr"/>
+            <a:r>
+              <a:rPr lang="en-US" sz="1500" dirty="0"/>
+              <a:t>LiDAR point cloud</a:t>
+            </a:r>
+            <a:endParaRPr lang="en-NZ" sz="1500" dirty="0"/>
+          </a:p>
+        </p:txBody>
+      </p:sp>
+      <p:sp>
+        <p:nvSpPr>
+          <p:cNvPr id="39" name="TextBox 38">
+            <a:extLst>
+              <a:ext uri="{FF2B5EF4-FFF2-40B4-BE49-F238E27FC236}">
+                <a16:creationId xmlns:a16="http://schemas.microsoft.com/office/drawing/2014/main" id="{70F3338D-0B6A-4912-8933-522B32670E4A}"/>
+              </a:ext>
+            </a:extLst>
+          </p:cNvPr>
+          <p:cNvSpPr txBox="1"/>
+          <p:nvPr/>
+        </p:nvSpPr>
+        <p:spPr>
+          <a:xfrm>
+            <a:off x="2730494" y="6712343"/>
+            <a:ext cx="1411483" cy="323165"/>
+          </a:xfrm>
+          <a:prstGeom prst="rect">
+            <a:avLst/>
+          </a:prstGeom>
+          <a:noFill/>
+        </p:spPr>
+        <p:txBody>
+          <a:bodyPr wrap="square" rtlCol="0">
+            <a:spAutoFit/>
+          </a:bodyPr>
+          <a:lstStyle/>
+          <a:p>
+            <a:pPr algn="ctr"/>
+            <a:r>
+              <a:rPr lang="en-US" sz="1500" dirty="0"/>
+              <a:t>River profiles</a:t>
+            </a:r>
+            <a:endParaRPr lang="en-NZ" sz="1500" dirty="0"/>
+          </a:p>
+        </p:txBody>
+      </p:sp>
+      <p:grpSp>
+        <p:nvGrpSpPr>
+          <p:cNvPr id="40" name="Group 39">
+            <a:extLst>
+              <a:ext uri="{FF2B5EF4-FFF2-40B4-BE49-F238E27FC236}">
+                <a16:creationId xmlns:a16="http://schemas.microsoft.com/office/drawing/2014/main" id="{1668DFDA-8857-4548-8A6B-69E1CDFB9ED4}"/>
+              </a:ext>
+            </a:extLst>
+          </p:cNvPr>
+          <p:cNvGrpSpPr/>
+          <p:nvPr/>
+        </p:nvGrpSpPr>
+        <p:grpSpPr>
+          <a:xfrm>
+            <a:off x="1479364" y="2069225"/>
+            <a:ext cx="350803" cy="350803"/>
+            <a:chOff x="2461098" y="2869660"/>
+            <a:chExt cx="2033081" cy="2033081"/>
+          </a:xfrm>
+        </p:grpSpPr>
+        <p:sp>
+          <p:nvSpPr>
+            <p:cNvPr id="41" name="Rectangle 40">
+              <a:extLst>
+                <a:ext uri="{FF2B5EF4-FFF2-40B4-BE49-F238E27FC236}">
+                  <a16:creationId xmlns:a16="http://schemas.microsoft.com/office/drawing/2014/main" id="{6FA50C69-DC5B-4953-8CA9-E83F781140AC}"/>
+                </a:ext>
+              </a:extLst>
+            </p:cNvPr>
+            <p:cNvSpPr/>
+            <p:nvPr/>
+          </p:nvSpPr>
+          <p:spPr>
+            <a:xfrm>
+              <a:off x="2461098" y="2869660"/>
+              <a:ext cx="2033081" cy="2033081"/>
+            </a:xfrm>
+            <a:prstGeom prst="rect">
+              <a:avLst/>
+            </a:prstGeom>
+            <a:noFill/>
+            <a:ln>
+              <a:solidFill>
+                <a:schemeClr val="tx1"/>
+              </a:solidFill>
+            </a:ln>
+          </p:spPr>
+          <p:style>
+            <a:lnRef idx="2">
+              <a:schemeClr val="accent1">
+                <a:shade val="50000"/>
+              </a:schemeClr>
+            </a:lnRef>
+            <a:fillRef idx="1">
+              <a:schemeClr val="accent1"/>
+            </a:fillRef>
+            <a:effectRef idx="0">
+              <a:schemeClr val="accent1"/>
+            </a:effectRef>
+            <a:fontRef idx="minor">
+              <a:schemeClr val="lt1"/>
+            </a:fontRef>
+          </p:style>
+          <p:txBody>
+            <a:bodyPr rtlCol="0" anchor="ctr"/>
+            <a:lstStyle/>
+            <a:p>
+              <a:pPr algn="ctr"/>
+              <a:endParaRPr lang="en-NZ"/>
+            </a:p>
+          </p:txBody>
+        </p:sp>
+        <p:cxnSp>
+          <p:nvCxnSpPr>
+            <p:cNvPr id="42" name="Straight Connector 41">
+              <a:extLst>
+                <a:ext uri="{FF2B5EF4-FFF2-40B4-BE49-F238E27FC236}">
+                  <a16:creationId xmlns:a16="http://schemas.microsoft.com/office/drawing/2014/main" id="{325591B2-407B-49CC-9971-D665B5A92913}"/>
+                </a:ext>
+              </a:extLst>
+            </p:cNvPr>
+            <p:cNvCxnSpPr>
+              <a:stCxn id="41" idx="0"/>
+              <a:endCxn id="41" idx="2"/>
+            </p:cNvCxnSpPr>
+            <p:nvPr/>
+          </p:nvCxnSpPr>
+          <p:spPr>
+            <a:xfrm>
+              <a:off x="3477639" y="2869660"/>
+              <a:ext cx="0" cy="2033081"/>
+            </a:xfrm>
+            <a:prstGeom prst="line">
+              <a:avLst/>
+            </a:prstGeom>
+            <a:ln>
+              <a:solidFill>
+                <a:schemeClr val="tx1"/>
+              </a:solidFill>
+            </a:ln>
+          </p:spPr>
+          <p:style>
+            <a:lnRef idx="1">
+              <a:schemeClr val="accent1"/>
+            </a:lnRef>
+            <a:fillRef idx="0">
+              <a:schemeClr val="accent1"/>
+            </a:fillRef>
+            <a:effectRef idx="0">
+              <a:schemeClr val="accent1"/>
+            </a:effectRef>
+            <a:fontRef idx="minor">
+              <a:schemeClr val="tx1"/>
+            </a:fontRef>
+          </p:style>
+        </p:cxnSp>
+        <p:cxnSp>
+          <p:nvCxnSpPr>
+            <p:cNvPr id="43" name="Straight Connector 42">
+              <a:extLst>
+                <a:ext uri="{FF2B5EF4-FFF2-40B4-BE49-F238E27FC236}">
+                  <a16:creationId xmlns:a16="http://schemas.microsoft.com/office/drawing/2014/main" id="{9B09D3C1-3860-4E70-8B20-961AE93EEC0F}"/>
+                </a:ext>
+              </a:extLst>
+            </p:cNvPr>
+            <p:cNvCxnSpPr/>
+            <p:nvPr/>
+          </p:nvCxnSpPr>
+          <p:spPr>
+            <a:xfrm>
+              <a:off x="2960451" y="2869660"/>
+              <a:ext cx="0" cy="2033081"/>
+            </a:xfrm>
+            <a:prstGeom prst="line">
+              <a:avLst/>
+            </a:prstGeom>
+            <a:ln>
+              <a:solidFill>
+                <a:schemeClr val="tx1"/>
+              </a:solidFill>
+            </a:ln>
+          </p:spPr>
+          <p:style>
+            <a:lnRef idx="1">
+              <a:schemeClr val="accent1"/>
+            </a:lnRef>
+            <a:fillRef idx="0">
+              <a:schemeClr val="accent1"/>
+            </a:fillRef>
+            <a:effectRef idx="0">
+              <a:schemeClr val="accent1"/>
+            </a:effectRef>
+            <a:fontRef idx="minor">
+              <a:schemeClr val="tx1"/>
+            </a:fontRef>
+          </p:style>
+        </p:cxnSp>
+        <p:cxnSp>
+          <p:nvCxnSpPr>
+            <p:cNvPr id="44" name="Straight Connector 43">
+              <a:extLst>
+                <a:ext uri="{FF2B5EF4-FFF2-40B4-BE49-F238E27FC236}">
+                  <a16:creationId xmlns:a16="http://schemas.microsoft.com/office/drawing/2014/main" id="{F77C3B0B-CECC-4B21-AB73-63544EEAD31C}"/>
+                </a:ext>
+              </a:extLst>
+            </p:cNvPr>
+            <p:cNvCxnSpPr/>
+            <p:nvPr/>
+          </p:nvCxnSpPr>
+          <p:spPr>
+            <a:xfrm>
+              <a:off x="3978613" y="2869660"/>
+              <a:ext cx="0" cy="2033081"/>
+            </a:xfrm>
+            <a:prstGeom prst="line">
+              <a:avLst/>
+            </a:prstGeom>
+            <a:ln>
+              <a:solidFill>
+                <a:schemeClr val="tx1"/>
+              </a:solidFill>
+            </a:ln>
+          </p:spPr>
+          <p:style>
+            <a:lnRef idx="1">
+              <a:schemeClr val="accent1"/>
+            </a:lnRef>
+            <a:fillRef idx="0">
+              <a:schemeClr val="accent1"/>
+            </a:fillRef>
+            <a:effectRef idx="0">
+              <a:schemeClr val="accent1"/>
+            </a:effectRef>
+            <a:fontRef idx="minor">
+              <a:schemeClr val="tx1"/>
+            </a:fontRef>
+          </p:style>
+        </p:cxnSp>
+        <p:cxnSp>
+          <p:nvCxnSpPr>
+            <p:cNvPr id="45" name="Straight Connector 44">
+              <a:extLst>
+                <a:ext uri="{FF2B5EF4-FFF2-40B4-BE49-F238E27FC236}">
+                  <a16:creationId xmlns:a16="http://schemas.microsoft.com/office/drawing/2014/main" id="{4556C936-6703-4518-BB3D-C7CD8B8E09BB}"/>
+                </a:ext>
+              </a:extLst>
+            </p:cNvPr>
+            <p:cNvCxnSpPr>
+              <a:stCxn id="41" idx="1"/>
+              <a:endCxn id="41" idx="3"/>
+            </p:cNvCxnSpPr>
+            <p:nvPr/>
+          </p:nvCxnSpPr>
+          <p:spPr>
+            <a:xfrm>
+              <a:off x="2461098" y="3886201"/>
+              <a:ext cx="2033081" cy="0"/>
+            </a:xfrm>
+            <a:prstGeom prst="line">
+              <a:avLst/>
+            </a:prstGeom>
+            <a:ln>
+              <a:solidFill>
+                <a:schemeClr val="tx1"/>
+              </a:solidFill>
+            </a:ln>
+          </p:spPr>
+          <p:style>
+            <a:lnRef idx="1">
+              <a:schemeClr val="accent1"/>
+            </a:lnRef>
+            <a:fillRef idx="0">
+              <a:schemeClr val="accent1"/>
+            </a:fillRef>
+            <a:effectRef idx="0">
+              <a:schemeClr val="accent1"/>
+            </a:effectRef>
+            <a:fontRef idx="minor">
+              <a:schemeClr val="tx1"/>
+            </a:fontRef>
+          </p:style>
+        </p:cxnSp>
+        <p:cxnSp>
+          <p:nvCxnSpPr>
+            <p:cNvPr id="46" name="Straight Connector 45">
+              <a:extLst>
+                <a:ext uri="{FF2B5EF4-FFF2-40B4-BE49-F238E27FC236}">
+                  <a16:creationId xmlns:a16="http://schemas.microsoft.com/office/drawing/2014/main" id="{94C25EF6-5556-412E-A1B7-AC07196C9F3C}"/>
+                </a:ext>
+              </a:extLst>
+            </p:cNvPr>
+            <p:cNvCxnSpPr/>
+            <p:nvPr/>
+          </p:nvCxnSpPr>
+          <p:spPr>
+            <a:xfrm>
+              <a:off x="2461098" y="3394953"/>
+              <a:ext cx="2033081" cy="0"/>
+            </a:xfrm>
+            <a:prstGeom prst="line">
+              <a:avLst/>
+            </a:prstGeom>
+            <a:ln>
+              <a:solidFill>
+                <a:schemeClr val="tx1"/>
+              </a:solidFill>
+            </a:ln>
+          </p:spPr>
+          <p:style>
+            <a:lnRef idx="1">
+              <a:schemeClr val="accent1"/>
+            </a:lnRef>
+            <a:fillRef idx="0">
+              <a:schemeClr val="accent1"/>
+            </a:fillRef>
+            <a:effectRef idx="0">
+              <a:schemeClr val="accent1"/>
+            </a:effectRef>
+            <a:fontRef idx="minor">
+              <a:schemeClr val="tx1"/>
+            </a:fontRef>
+          </p:style>
+        </p:cxnSp>
+        <p:cxnSp>
+          <p:nvCxnSpPr>
+            <p:cNvPr id="47" name="Straight Connector 46">
+              <a:extLst>
+                <a:ext uri="{FF2B5EF4-FFF2-40B4-BE49-F238E27FC236}">
+                  <a16:creationId xmlns:a16="http://schemas.microsoft.com/office/drawing/2014/main" id="{CA23820B-F4EC-4A29-8A63-AE290AE1DDA8}"/>
+                </a:ext>
+              </a:extLst>
+            </p:cNvPr>
+            <p:cNvCxnSpPr/>
+            <p:nvPr/>
+          </p:nvCxnSpPr>
+          <p:spPr>
+            <a:xfrm>
+              <a:off x="2461098" y="4406630"/>
+              <a:ext cx="2033081" cy="0"/>
+            </a:xfrm>
+            <a:prstGeom prst="line">
+              <a:avLst/>
+            </a:prstGeom>
+            <a:ln>
+              <a:solidFill>
+                <a:schemeClr val="tx1"/>
+              </a:solidFill>
+            </a:ln>
+          </p:spPr>
+          <p:style>
+            <a:lnRef idx="1">
+              <a:schemeClr val="accent1"/>
+            </a:lnRef>
+            <a:fillRef idx="0">
+              <a:schemeClr val="accent1"/>
+            </a:fillRef>
+            <a:effectRef idx="0">
+              <a:schemeClr val="accent1"/>
+            </a:effectRef>
+            <a:fontRef idx="minor">
+              <a:schemeClr val="tx1"/>
+            </a:fontRef>
+          </p:style>
+        </p:cxnSp>
+      </p:grpSp>
+      <p:grpSp>
+        <p:nvGrpSpPr>
+          <p:cNvPr id="48" name="Group 47">
+            <a:extLst>
+              <a:ext uri="{FF2B5EF4-FFF2-40B4-BE49-F238E27FC236}">
+                <a16:creationId xmlns:a16="http://schemas.microsoft.com/office/drawing/2014/main" id="{43F2D52D-D67E-4303-8DA1-74AFC7493FA6}"/>
+              </a:ext>
+            </a:extLst>
+          </p:cNvPr>
+          <p:cNvGrpSpPr/>
+          <p:nvPr/>
+        </p:nvGrpSpPr>
+        <p:grpSpPr>
+          <a:xfrm rot="2700000">
+            <a:off x="4933584" y="2062240"/>
+            <a:ext cx="366414" cy="366414"/>
+            <a:chOff x="2461098" y="2869660"/>
+            <a:chExt cx="2033081" cy="2033081"/>
+          </a:xfrm>
+        </p:grpSpPr>
+        <p:sp>
+          <p:nvSpPr>
+            <p:cNvPr id="49" name="Rectangle 48">
+              <a:extLst>
+                <a:ext uri="{FF2B5EF4-FFF2-40B4-BE49-F238E27FC236}">
+                  <a16:creationId xmlns:a16="http://schemas.microsoft.com/office/drawing/2014/main" id="{7BCD48D3-71CF-492F-B1F3-9E4BC27B45E8}"/>
+                </a:ext>
+              </a:extLst>
+            </p:cNvPr>
+            <p:cNvSpPr/>
+            <p:nvPr/>
+          </p:nvSpPr>
+          <p:spPr>
+            <a:xfrm>
+              <a:off x="2461098" y="2869660"/>
+              <a:ext cx="2033081" cy="2033081"/>
+            </a:xfrm>
+            <a:prstGeom prst="rect">
+              <a:avLst/>
+            </a:prstGeom>
+            <a:noFill/>
+            <a:ln>
+              <a:solidFill>
+                <a:schemeClr val="tx1"/>
+              </a:solidFill>
+            </a:ln>
+          </p:spPr>
+          <p:style>
+            <a:lnRef idx="2">
+              <a:schemeClr val="accent1">
+                <a:shade val="50000"/>
+              </a:schemeClr>
+            </a:lnRef>
+            <a:fillRef idx="1">
+              <a:schemeClr val="accent1"/>
+            </a:fillRef>
+            <a:effectRef idx="0">
+              <a:schemeClr val="accent1"/>
+            </a:effectRef>
+            <a:fontRef idx="minor">
+              <a:schemeClr val="lt1"/>
+            </a:fontRef>
+          </p:style>
+          <p:txBody>
+            <a:bodyPr rtlCol="0" anchor="ctr"/>
+            <a:lstStyle/>
+            <a:p>
+              <a:pPr algn="ctr"/>
+              <a:endParaRPr lang="en-NZ"/>
+            </a:p>
+          </p:txBody>
+        </p:sp>
+        <p:cxnSp>
+          <p:nvCxnSpPr>
+            <p:cNvPr id="50" name="Straight Connector 49">
+              <a:extLst>
+                <a:ext uri="{FF2B5EF4-FFF2-40B4-BE49-F238E27FC236}">
+                  <a16:creationId xmlns:a16="http://schemas.microsoft.com/office/drawing/2014/main" id="{7ECF7B11-E225-4236-97D7-6B48ABC78DFF}"/>
+                </a:ext>
+              </a:extLst>
+            </p:cNvPr>
+            <p:cNvCxnSpPr>
+              <a:stCxn id="49" idx="0"/>
+              <a:endCxn id="49" idx="2"/>
+            </p:cNvCxnSpPr>
+            <p:nvPr/>
+          </p:nvCxnSpPr>
+          <p:spPr>
+            <a:xfrm>
+              <a:off x="3477639" y="2869660"/>
+              <a:ext cx="0" cy="2033081"/>
+            </a:xfrm>
+            <a:prstGeom prst="line">
+              <a:avLst/>
+            </a:prstGeom>
+            <a:ln>
+              <a:solidFill>
+                <a:schemeClr val="tx1"/>
+              </a:solidFill>
+            </a:ln>
+          </p:spPr>
+          <p:style>
+            <a:lnRef idx="1">
+              <a:schemeClr val="accent1"/>
+            </a:lnRef>
+            <a:fillRef idx="0">
+              <a:schemeClr val="accent1"/>
+            </a:fillRef>
+            <a:effectRef idx="0">
+              <a:schemeClr val="accent1"/>
+            </a:effectRef>
+            <a:fontRef idx="minor">
+              <a:schemeClr val="tx1"/>
+            </a:fontRef>
+          </p:style>
+        </p:cxnSp>
+        <p:cxnSp>
+          <p:nvCxnSpPr>
+            <p:cNvPr id="51" name="Straight Connector 50">
+              <a:extLst>
+                <a:ext uri="{FF2B5EF4-FFF2-40B4-BE49-F238E27FC236}">
+                  <a16:creationId xmlns:a16="http://schemas.microsoft.com/office/drawing/2014/main" id="{ED3DC99B-A034-4E6D-BA1B-29B54FF0F77C}"/>
+                </a:ext>
+              </a:extLst>
+            </p:cNvPr>
+            <p:cNvCxnSpPr/>
+            <p:nvPr/>
+          </p:nvCxnSpPr>
+          <p:spPr>
+            <a:xfrm>
+              <a:off x="2960451" y="2869660"/>
+              <a:ext cx="0" cy="2033081"/>
+            </a:xfrm>
+            <a:prstGeom prst="line">
+              <a:avLst/>
+            </a:prstGeom>
+            <a:ln>
+              <a:solidFill>
+                <a:schemeClr val="tx1"/>
+              </a:solidFill>
+            </a:ln>
+          </p:spPr>
+          <p:style>
+            <a:lnRef idx="1">
+              <a:schemeClr val="accent1"/>
+            </a:lnRef>
+            <a:fillRef idx="0">
+              <a:schemeClr val="accent1"/>
+            </a:fillRef>
+            <a:effectRef idx="0">
+              <a:schemeClr val="accent1"/>
+            </a:effectRef>
+            <a:fontRef idx="minor">
+              <a:schemeClr val="tx1"/>
+            </a:fontRef>
+          </p:style>
+        </p:cxnSp>
+        <p:cxnSp>
+          <p:nvCxnSpPr>
+            <p:cNvPr id="52" name="Straight Connector 51">
+              <a:extLst>
+                <a:ext uri="{FF2B5EF4-FFF2-40B4-BE49-F238E27FC236}">
+                  <a16:creationId xmlns:a16="http://schemas.microsoft.com/office/drawing/2014/main" id="{497EE419-FBC4-45BE-9FA9-D512C5C616E9}"/>
+                </a:ext>
+              </a:extLst>
+            </p:cNvPr>
+            <p:cNvCxnSpPr/>
+            <p:nvPr/>
+          </p:nvCxnSpPr>
+          <p:spPr>
+            <a:xfrm>
+              <a:off x="3978613" y="2869660"/>
+              <a:ext cx="0" cy="2033081"/>
+            </a:xfrm>
+            <a:prstGeom prst="line">
+              <a:avLst/>
+            </a:prstGeom>
+            <a:ln>
+              <a:solidFill>
+                <a:schemeClr val="tx1"/>
+              </a:solidFill>
+            </a:ln>
+          </p:spPr>
+          <p:style>
+            <a:lnRef idx="1">
+              <a:schemeClr val="accent1"/>
+            </a:lnRef>
+            <a:fillRef idx="0">
+              <a:schemeClr val="accent1"/>
+            </a:fillRef>
+            <a:effectRef idx="0">
+              <a:schemeClr val="accent1"/>
+            </a:effectRef>
+            <a:fontRef idx="minor">
+              <a:schemeClr val="tx1"/>
+            </a:fontRef>
+          </p:style>
+        </p:cxnSp>
+        <p:cxnSp>
+          <p:nvCxnSpPr>
+            <p:cNvPr id="53" name="Straight Connector 52">
+              <a:extLst>
+                <a:ext uri="{FF2B5EF4-FFF2-40B4-BE49-F238E27FC236}">
+                  <a16:creationId xmlns:a16="http://schemas.microsoft.com/office/drawing/2014/main" id="{712A81D7-50D1-469F-A4EB-F72A2C3797C2}"/>
+                </a:ext>
+              </a:extLst>
+            </p:cNvPr>
+            <p:cNvCxnSpPr>
+              <a:stCxn id="49" idx="1"/>
+              <a:endCxn id="49" idx="3"/>
+            </p:cNvCxnSpPr>
+            <p:nvPr/>
+          </p:nvCxnSpPr>
+          <p:spPr>
+            <a:xfrm>
+              <a:off x="2461098" y="3886201"/>
+              <a:ext cx="2033081" cy="0"/>
+            </a:xfrm>
+            <a:prstGeom prst="line">
+              <a:avLst/>
+            </a:prstGeom>
+            <a:ln>
+              <a:solidFill>
+                <a:schemeClr val="tx1"/>
+              </a:solidFill>
+            </a:ln>
+          </p:spPr>
+          <p:style>
+            <a:lnRef idx="1">
+              <a:schemeClr val="accent1"/>
+            </a:lnRef>
+            <a:fillRef idx="0">
+              <a:schemeClr val="accent1"/>
+            </a:fillRef>
+            <a:effectRef idx="0">
+              <a:schemeClr val="accent1"/>
+            </a:effectRef>
+            <a:fontRef idx="minor">
+              <a:schemeClr val="tx1"/>
+            </a:fontRef>
+          </p:style>
+        </p:cxnSp>
+        <p:cxnSp>
+          <p:nvCxnSpPr>
+            <p:cNvPr id="54" name="Straight Connector 53">
+              <a:extLst>
+                <a:ext uri="{FF2B5EF4-FFF2-40B4-BE49-F238E27FC236}">
+                  <a16:creationId xmlns:a16="http://schemas.microsoft.com/office/drawing/2014/main" id="{67FF01B3-8195-457F-97EB-2093ED946FDE}"/>
+                </a:ext>
+              </a:extLst>
+            </p:cNvPr>
+            <p:cNvCxnSpPr/>
+            <p:nvPr/>
+          </p:nvCxnSpPr>
+          <p:spPr>
+            <a:xfrm>
+              <a:off x="2461098" y="3394953"/>
+              <a:ext cx="2033081" cy="0"/>
+            </a:xfrm>
+            <a:prstGeom prst="line">
+              <a:avLst/>
+            </a:prstGeom>
+            <a:ln>
+              <a:solidFill>
+                <a:schemeClr val="tx1"/>
+              </a:solidFill>
+            </a:ln>
+          </p:spPr>
+          <p:style>
+            <a:lnRef idx="1">
+              <a:schemeClr val="accent1"/>
+            </a:lnRef>
+            <a:fillRef idx="0">
+              <a:schemeClr val="accent1"/>
+            </a:fillRef>
+            <a:effectRef idx="0">
+              <a:schemeClr val="accent1"/>
+            </a:effectRef>
+            <a:fontRef idx="minor">
+              <a:schemeClr val="tx1"/>
+            </a:fontRef>
+          </p:style>
+        </p:cxnSp>
+        <p:cxnSp>
+          <p:nvCxnSpPr>
+            <p:cNvPr id="55" name="Straight Connector 54">
+              <a:extLst>
+                <a:ext uri="{FF2B5EF4-FFF2-40B4-BE49-F238E27FC236}">
+                  <a16:creationId xmlns:a16="http://schemas.microsoft.com/office/drawing/2014/main" id="{FBEE1CDF-4E41-4E98-AFA4-CA0AE06FACA1}"/>
+                </a:ext>
+              </a:extLst>
+            </p:cNvPr>
+            <p:cNvCxnSpPr/>
+            <p:nvPr/>
+          </p:nvCxnSpPr>
+          <p:spPr>
+            <a:xfrm>
+              <a:off x="2461098" y="4406630"/>
+              <a:ext cx="2033081" cy="0"/>
+            </a:xfrm>
+            <a:prstGeom prst="line">
+              <a:avLst/>
+            </a:prstGeom>
+            <a:ln>
+              <a:solidFill>
+                <a:schemeClr val="tx1"/>
+              </a:solidFill>
+            </a:ln>
+          </p:spPr>
+          <p:style>
+            <a:lnRef idx="1">
+              <a:schemeClr val="accent1"/>
+            </a:lnRef>
+            <a:fillRef idx="0">
+              <a:schemeClr val="accent1"/>
+            </a:fillRef>
+            <a:effectRef idx="0">
+              <a:schemeClr val="accent1"/>
+            </a:effectRef>
+            <a:fontRef idx="minor">
+              <a:schemeClr val="tx1"/>
+            </a:fontRef>
+          </p:style>
+        </p:cxnSp>
+      </p:grpSp>
+      <p:pic>
+        <p:nvPicPr>
+          <p:cNvPr id="8" name="Picture 7">
+            <a:extLst>
+              <a:ext uri="{FF2B5EF4-FFF2-40B4-BE49-F238E27FC236}">
+                <a16:creationId xmlns:a16="http://schemas.microsoft.com/office/drawing/2014/main" id="{70F27C05-B933-47BA-99C2-4AC9E57BEF4A}"/>
+              </a:ext>
+            </a:extLst>
+          </p:cNvPr>
+          <p:cNvPicPr>
+            <a:picLocks noChangeAspect="1"/>
+          </p:cNvPicPr>
+          <p:nvPr/>
+        </p:nvPicPr>
+        <p:blipFill>
+          <a:blip r:embed="rId5">
+            <a:extLst>
+              <a:ext uri="{28A0092B-C50C-407E-A947-70E740481C1C}">
+                <a14:useLocalDpi xmlns:a14="http://schemas.microsoft.com/office/drawing/2010/main" val="0"/>
+              </a:ext>
+            </a:extLst>
+          </a:blip>
+          <a:stretch>
+            <a:fillRect/>
+          </a:stretch>
+        </p:blipFill>
+        <p:spPr>
+          <a:xfrm>
+            <a:off x="220136" y="7007666"/>
+            <a:ext cx="6237627" cy="2827363"/>
+          </a:xfrm>
+          <a:prstGeom prst="rect">
+            <a:avLst/>
+          </a:prstGeom>
+        </p:spPr>
+      </p:pic>
+    </p:spTree>
+    <p:extLst>
+      <p:ext uri="{BB962C8B-B14F-4D97-AF65-F5344CB8AC3E}">
+        <p14:creationId xmlns:p14="http://schemas.microsoft.com/office/powerpoint/2010/main" val="4151810487"/>
+      </p:ext>
+    </p:extLst>
+  </p:cSld>
+  <p:clrMapOvr>
+    <a:masterClrMapping/>
+  </p:clrMapOvr>
+</p:sld>
+</file>
+
 <file path=ppt/theme/theme1.xml><?xml version="1.0" encoding="utf-8"?>
 <a:theme xmlns:a="http://schemas.openxmlformats.org/drawingml/2006/main" name="Office Theme">
   <a:themeElements>
